--- a/demultiplexing.pptx
+++ b/demultiplexing.pptx
@@ -3787,7 +3787,7 @@
           <a:p>
             <a:fld id="{D9584FA3-DD4A-8140-8138-CCC42C1529B3}" type="datetimeFigureOut">
               <a:rPr lang="en-US" smtClean="0"/>
-              <a:t>9/11/2018</a:t>
+              <a:t>9/20/2018</a:t>
             </a:fld>
             <a:endParaRPr lang="en-US"/>
           </a:p>
@@ -3957,7 +3957,7 @@
           <a:p>
             <a:fld id="{D9584FA3-DD4A-8140-8138-CCC42C1529B3}" type="datetimeFigureOut">
               <a:rPr lang="en-US" smtClean="0"/>
-              <a:t>9/11/2018</a:t>
+              <a:t>9/20/2018</a:t>
             </a:fld>
             <a:endParaRPr lang="en-US"/>
           </a:p>
@@ -4137,7 +4137,7 @@
           <a:p>
             <a:fld id="{D9584FA3-DD4A-8140-8138-CCC42C1529B3}" type="datetimeFigureOut">
               <a:rPr lang="en-US" smtClean="0"/>
-              <a:t>9/11/2018</a:t>
+              <a:t>9/20/2018</a:t>
             </a:fld>
             <a:endParaRPr lang="en-US"/>
           </a:p>
@@ -4307,7 +4307,7 @@
           <a:p>
             <a:fld id="{D9584FA3-DD4A-8140-8138-CCC42C1529B3}" type="datetimeFigureOut">
               <a:rPr lang="en-US" smtClean="0"/>
-              <a:t>9/11/2018</a:t>
+              <a:t>9/20/2018</a:t>
             </a:fld>
             <a:endParaRPr lang="en-US"/>
           </a:p>
@@ -4553,7 +4553,7 @@
           <a:p>
             <a:fld id="{D9584FA3-DD4A-8140-8138-CCC42C1529B3}" type="datetimeFigureOut">
               <a:rPr lang="en-US" smtClean="0"/>
-              <a:t>9/11/2018</a:t>
+              <a:t>9/20/2018</a:t>
             </a:fld>
             <a:endParaRPr lang="en-US"/>
           </a:p>
@@ -4841,7 +4841,7 @@
           <a:p>
             <a:fld id="{D9584FA3-DD4A-8140-8138-CCC42C1529B3}" type="datetimeFigureOut">
               <a:rPr lang="en-US" smtClean="0"/>
-              <a:t>9/11/2018</a:t>
+              <a:t>9/20/2018</a:t>
             </a:fld>
             <a:endParaRPr lang="en-US"/>
           </a:p>
@@ -5263,7 +5263,7 @@
           <a:p>
             <a:fld id="{D9584FA3-DD4A-8140-8138-CCC42C1529B3}" type="datetimeFigureOut">
               <a:rPr lang="en-US" smtClean="0"/>
-              <a:t>9/11/2018</a:t>
+              <a:t>9/20/2018</a:t>
             </a:fld>
             <a:endParaRPr lang="en-US"/>
           </a:p>
@@ -5381,7 +5381,7 @@
           <a:p>
             <a:fld id="{D9584FA3-DD4A-8140-8138-CCC42C1529B3}" type="datetimeFigureOut">
               <a:rPr lang="en-US" smtClean="0"/>
-              <a:t>9/11/2018</a:t>
+              <a:t>9/20/2018</a:t>
             </a:fld>
             <a:endParaRPr lang="en-US"/>
           </a:p>
@@ -5476,7 +5476,7 @@
           <a:p>
             <a:fld id="{D9584FA3-DD4A-8140-8138-CCC42C1529B3}" type="datetimeFigureOut">
               <a:rPr lang="en-US" smtClean="0"/>
-              <a:t>9/11/2018</a:t>
+              <a:t>9/20/2018</a:t>
             </a:fld>
             <a:endParaRPr lang="en-US"/>
           </a:p>
@@ -5753,7 +5753,7 @@
           <a:p>
             <a:fld id="{D9584FA3-DD4A-8140-8138-CCC42C1529B3}" type="datetimeFigureOut">
               <a:rPr lang="en-US" smtClean="0"/>
-              <a:t>9/11/2018</a:t>
+              <a:t>9/20/2018</a:t>
             </a:fld>
             <a:endParaRPr lang="en-US"/>
           </a:p>
@@ -6006,7 +6006,7 @@
           <a:p>
             <a:fld id="{D9584FA3-DD4A-8140-8138-CCC42C1529B3}" type="datetimeFigureOut">
               <a:rPr lang="en-US" smtClean="0"/>
-              <a:t>9/11/2018</a:t>
+              <a:t>9/20/2018</a:t>
             </a:fld>
             <a:endParaRPr lang="en-US"/>
           </a:p>
@@ -6219,7 +6219,7 @@
           <a:p>
             <a:fld id="{D9584FA3-DD4A-8140-8138-CCC42C1529B3}" type="datetimeFigureOut">
               <a:rPr lang="en-US" smtClean="0"/>
-              <a:t>9/11/2018</a:t>
+              <a:t>9/20/2018</a:t>
             </a:fld>
             <a:endParaRPr lang="en-US"/>
           </a:p>
@@ -6743,8 +6743,33 @@
           <a:p>
             <a:r>
               <a:rPr lang="en-US" sz="2400" dirty="0" smtClean="0"/>
-              <a:t>Split mixed samples using the genotype similarity between each cell and sample models</a:t>
-            </a:r>
+              <a:t>Split mixed </a:t>
+            </a:r>
+            <a:r>
+              <a:rPr lang="en-US" sz="2400" dirty="0" smtClean="0"/>
+              <a:t>single cell RNA samples by identifying the </a:t>
+            </a:r>
+            <a:r>
+              <a:rPr lang="en-US" dirty="0" smtClean="0"/>
+              <a:t>allele frequency/</a:t>
+            </a:r>
+            <a:r>
+              <a:rPr lang="en-US" sz="2400" dirty="0" smtClean="0"/>
+              <a:t>genotype </a:t>
+            </a:r>
+            <a:r>
+              <a:rPr lang="en-US" sz="2400" dirty="0" smtClean="0"/>
+              <a:t>similarity between each cell and sample </a:t>
+            </a:r>
+            <a:r>
+              <a:rPr lang="en-US" dirty="0"/>
+              <a:t>models, using machine learning </a:t>
+            </a:r>
+            <a:r>
+              <a:rPr lang="en-US" dirty="0" smtClean="0"/>
+              <a:t>approach</a:t>
+            </a:r>
+            <a:endParaRPr lang="en-US" sz="2400" dirty="0" smtClean="0"/>
           </a:p>
           <a:p>
             <a:endParaRPr lang="en-US" dirty="0"/>
@@ -7201,18 +7226,40 @@
           <a:p>
             <a:r>
               <a:rPr lang="en-AU" dirty="0" smtClean="0"/>
-              <a:t>SNV only (single base)</a:t>
+              <a:t>Single base SNV only</a:t>
             </a:r>
           </a:p>
           <a:p>
             <a:r>
               <a:rPr lang="en-AU" dirty="0" smtClean="0"/>
-              <a:t>Filter out those SNVs which have L(RR) or L(AA) more than log10(1-epsilon), where epsilon=0.01, which are regarded as giving less information in regards to the </a:t>
-            </a:r>
-            <a:r>
-              <a:rPr lang="en-AU" smtClean="0"/>
-              <a:t>sample difference</a:t>
-            </a:r>
+              <a:t>Only keep those heterozygous SNVs </a:t>
+            </a:r>
+            <a:r>
+              <a:rPr lang="en-AU" dirty="0" smtClean="0"/>
+              <a:t>which have </a:t>
+            </a:r>
+            <a:r>
+              <a:rPr lang="en-AU" dirty="0" smtClean="0"/>
+              <a:t>L(RA) larger than </a:t>
+            </a:r>
+            <a:r>
+              <a:rPr lang="en-AU" dirty="0" smtClean="0"/>
+              <a:t>log10(1-epsilon), where epsilon=0.01, which are regarded as </a:t>
+            </a:r>
+            <a:r>
+              <a:rPr lang="en-AU" dirty="0" smtClean="0"/>
+              <a:t>containing key </a:t>
+            </a:r>
+            <a:r>
+              <a:rPr lang="en-AU" dirty="0" smtClean="0"/>
+              <a:t>information </a:t>
+            </a:r>
+            <a:r>
+              <a:rPr lang="en-AU" dirty="0" smtClean="0"/>
+              <a:t>of sample difference</a:t>
+            </a:r>
+          </a:p>
+          <a:p>
             <a:endParaRPr lang="en-AU" dirty="0" smtClean="0"/>
           </a:p>
           <a:p>
@@ -7281,11 +7328,15 @@
             </a:r>
             <a:r>
               <a:rPr lang="en-US" sz="2400" b="1" dirty="0" smtClean="0"/>
-              <a:t>till convergence </a:t>
+              <a:t>till convergence (MAF model, </a:t>
             </a:r>
             <a:r>
               <a:rPr lang="en-US" sz="2400" b="1" dirty="0" smtClean="0"/>
-              <a:t>(MAF model, with 2 mixed samples for illustration)</a:t>
+              <a:t>using </a:t>
+            </a:r>
+            <a:r>
+              <a:rPr lang="en-US" sz="2400" b="1" dirty="0" smtClean="0"/>
+              <a:t>2 mixed samples for illustration)</a:t>
             </a:r>
             <a:endParaRPr lang="en-US" sz="2400" b="1" dirty="0"/>
           </a:p>
@@ -7426,11 +7477,7 @@
           <a:p>
             <a:r>
               <a:rPr lang="en-AU" dirty="0" smtClean="0"/>
-              <a:t>Simulate the </a:t>
-            </a:r>
-            <a:r>
-              <a:rPr lang="en-AU" dirty="0" smtClean="0"/>
-              <a:t>model allele frequency P(A</a:t>
+              <a:t>Simulate the model allele frequency P(A</a:t>
             </a:r>
             <a:r>
               <a:rPr lang="en-US" baseline="-25000" dirty="0" smtClean="0"/>
@@ -7458,11 +7505,7 @@
             </a:r>
             <a:r>
               <a:rPr lang="en-US" dirty="0" smtClean="0"/>
-              <a:t> </a:t>
-            </a:r>
-            <a:r>
-              <a:rPr lang="en-US" dirty="0" smtClean="0"/>
-              <a:t>against </a:t>
+              <a:t> against </a:t>
             </a:r>
             <a:r>
               <a:rPr lang="en-US" dirty="0" err="1" smtClean="0"/>
@@ -7750,11 +7793,7 @@
           <a:p>
             <a:r>
               <a:rPr lang="en-US" dirty="0" smtClean="0"/>
-              <a:t>Distribute </a:t>
-            </a:r>
-            <a:r>
-              <a:rPr lang="en-US" dirty="0" smtClean="0"/>
-              <a:t>the </a:t>
+              <a:t>Distribute the </a:t>
             </a:r>
             <a:r>
               <a:rPr lang="en-US" dirty="0" err="1" smtClean="0"/>
@@ -7818,11 +7857,7 @@
             </a:r>
             <a:r>
               <a:rPr lang="en-US" dirty="0" smtClean="0"/>
-              <a:t> (M-step</a:t>
-            </a:r>
-            <a:r>
-              <a:rPr lang="en-US" dirty="0" smtClean="0"/>
-              <a:t>)</a:t>
+              <a:t> (M-step)</a:t>
             </a:r>
           </a:p>
           <a:p>
@@ -7946,15 +7981,15 @@
             </a:r>
             <a:r>
               <a:rPr lang="en-US" sz="2400" b="1" dirty="0" smtClean="0"/>
-              <a:t> (genotype </a:t>
+              <a:t> (genotype model, </a:t>
             </a:r>
             <a:r>
               <a:rPr lang="en-US" sz="2400" b="1" dirty="0" smtClean="0"/>
-              <a:t>model, </a:t>
+              <a:t>using </a:t>
             </a:r>
             <a:r>
               <a:rPr lang="en-US" sz="2400" b="1" dirty="0"/>
-              <a:t>with 2 mixed </a:t>
+              <a:t>2 mixed </a:t>
             </a:r>
             <a:r>
               <a:rPr lang="en-US" sz="2400" b="1" dirty="0" smtClean="0"/>
@@ -8182,25 +8217,13 @@
             </a:r>
             <a:r>
               <a:rPr lang="en-US" dirty="0" smtClean="0"/>
-              <a:t> distribution (0.25</a:t>
-            </a:r>
-            <a:r>
-              <a:rPr lang="en-US" dirty="0" smtClean="0"/>
-              <a:t>, 0.5, 0.25</a:t>
-            </a:r>
-            <a:r>
-              <a:rPr lang="en-US" dirty="0" smtClean="0"/>
-              <a:t>),10</a:t>
+              <a:t> distribution (0.25, 0.5, 0.25),10</a:t>
             </a:r>
           </a:p>
           <a:p>
             <a:r>
               <a:rPr lang="en-AU" dirty="0" smtClean="0"/>
-              <a:t>Initialise </a:t>
-            </a:r>
-            <a:r>
-              <a:rPr lang="en-AU" dirty="0" smtClean="0"/>
-              <a:t>the P(A</a:t>
+              <a:t>Initialise the P(A</a:t>
             </a:r>
             <a:r>
               <a:rPr lang="en-US" baseline="-25000" dirty="0" err="1" smtClean="0"/>
@@ -8848,11 +8871,7 @@
             </a:r>
             <a:r>
               <a:rPr lang="en-US" dirty="0" smtClean="0"/>
-              <a:t>sum</a:t>
-            </a:r>
-            <a:r>
-              <a:rPr lang="en-US" dirty="0" smtClean="0"/>
-              <a:t>)</a:t>
+              <a:t>sum)</a:t>
             </a:r>
           </a:p>
           <a:p>
